--- a/Creative_Concept_Template.pptx
+++ b/Creative_Concept_Template.pptx
@@ -121,6 +121,35 @@
     <p1510:client id="{40D4FABD-762F-C54C-B83B-5B11267203EB}" v="13" dt="2024-08-28T10:15:40.596"/>
   </p1510:revLst>
 </p1510:revInfo>
+</file>
+
+<file path=ppt/changesInfos/changesInfo1.xml><?xml version="1.0" encoding="utf-8"?>
+<pc:chgInfo xmlns:a="http://schemas.openxmlformats.org/drawingml/2006/main" xmlns:r="http://schemas.openxmlformats.org/officeDocument/2006/relationships" xmlns:ac="http://schemas.microsoft.com/office/drawing/2013/main/command" xmlns:pc="http://schemas.microsoft.com/office/powerpoint/2013/main/command">
+  <pc:docChgLst>
+    <pc:chgData name="Arbour, Duncan" userId="f8c76c83-f09a-4702-8a60-e00215c8b89f" providerId="ADAL" clId="{40D4FABD-762F-C54C-B83B-5B11267203EB}"/>
+    <pc:docChg chg="modSld">
+      <pc:chgData name="Arbour, Duncan" userId="f8c76c83-f09a-4702-8a60-e00215c8b89f" providerId="ADAL" clId="{40D4FABD-762F-C54C-B83B-5B11267203EB}" dt="2024-08-28T10:47:10.844" v="4" actId="20577"/>
+      <pc:docMkLst>
+        <pc:docMk/>
+      </pc:docMkLst>
+      <pc:sldChg chg="modSp mod">
+        <pc:chgData name="Arbour, Duncan" userId="f8c76c83-f09a-4702-8a60-e00215c8b89f" providerId="ADAL" clId="{40D4FABD-762F-C54C-B83B-5B11267203EB}" dt="2024-08-28T10:47:10.844" v="4" actId="20577"/>
+        <pc:sldMkLst>
+          <pc:docMk/>
+          <pc:sldMk cId="1157913996" sldId="261"/>
+        </pc:sldMkLst>
+        <pc:spChg chg="mod">
+          <ac:chgData name="Arbour, Duncan" userId="f8c76c83-f09a-4702-8a60-e00215c8b89f" providerId="ADAL" clId="{40D4FABD-762F-C54C-B83B-5B11267203EB}" dt="2024-08-28T10:47:10.844" v="4" actId="20577"/>
+          <ac:spMkLst>
+            <pc:docMk/>
+            <pc:sldMk cId="1157913996" sldId="261"/>
+            <ac:spMk id="4" creationId="{661AF2C9-2623-80FB-3B58-1352CA4E8ECE}"/>
+          </ac:spMkLst>
+        </pc:spChg>
+      </pc:sldChg>
+    </pc:docChg>
+  </pc:docChgLst>
+</pc:chgInfo>
 </file>
 
 <file path=ppt/notesMasters/notesMaster1.xml><?xml version="1.0" encoding="utf-8"?>
@@ -1822,8 +1851,8 @@
         </p:nvSpPr>
         <p:spPr>
           <a:xfrm>
-            <a:off x="8450317" y="1949614"/>
-            <a:ext cx="2979683" cy="323165"/>
+            <a:off x="8450317" y="1898814"/>
+            <a:ext cx="2979683" cy="138499"/>
           </a:xfrm>
           <a:prstGeom prst="rect">
             <a:avLst/>
@@ -1836,7 +1865,7 @@
           <a:lstStyle/>
           <a:p>
             <a:r>
-              <a:rPr lang="en-GB" sz="900" dirty="0">
+              <a:rPr lang="en-GB" sz="900">
                 <a:solidFill>
                   <a:schemeClr val="accent2"/>
                 </a:solidFill>
@@ -1845,10 +1874,13 @@
               </a:rPr>
               <a:t>Supporting data</a:t>
             </a:r>
-          </a:p>
-          <a:p>
-            <a:pPr algn="l"/>
-            <a:endParaRPr lang="en-GB" sz="1200" b="0" dirty="0"/>
+            <a:endParaRPr lang="en-GB" sz="900" dirty="0">
+              <a:solidFill>
+                <a:schemeClr val="accent2"/>
+              </a:solidFill>
+              <a:latin typeface="Calibri" panose="020F0502020204030204" pitchFamily="34" charset="0"/>
+              <a:cs typeface="Calibri" panose="020F0502020204030204" pitchFamily="34" charset="0"/>
+            </a:endParaRPr>
           </a:p>
         </p:txBody>
       </p:sp>
@@ -2674,26 +2706,6 @@
 </file>
 
 <file path=customXml/item1.xml><?xml version="1.0" encoding="utf-8"?>
-<p:properties xmlns:p="http://schemas.microsoft.com/office/2006/metadata/properties" xmlns:xsi="http://www.w3.org/2001/XMLSchema-instance" xmlns:pc="http://schemas.microsoft.com/office/infopath/2007/PartnerControls">
-  <documentManagement>
-    <TaxCatchAll xmlns="9bea065c-4598-471b-a0d8-b208471d6a41" xsi:nil="true"/>
-    <lcf76f155ced4ddcb4097134ff3c332f xmlns="737cdb0d-9f15-48ec-9529-975a91239bb1">
-      <Terms xmlns="http://schemas.microsoft.com/office/infopath/2007/PartnerControls"/>
-    </lcf76f155ced4ddcb4097134ff3c332f>
-  </documentManagement>
-</p:properties>
-</file>
-
-<file path=customXml/item2.xml><?xml version="1.0" encoding="utf-8"?>
-<?mso-contentType ?>
-<FormTemplates xmlns="http://schemas.microsoft.com/sharepoint/v3/contenttype/forms">
-  <Display>DocumentLibraryForm</Display>
-  <Edit>DocumentLibraryForm</Edit>
-  <New>DocumentLibraryForm</New>
-</FormTemplates>
-</file>
-
-<file path=customXml/item3.xml><?xml version="1.0" encoding="utf-8"?>
 <ct:contentTypeSchema xmlns:ct="http://schemas.microsoft.com/office/2006/metadata/contentType" xmlns:ma="http://schemas.microsoft.com/office/2006/metadata/properties/metaAttributes" ct:_="" ma:_="" ma:contentTypeName="Document" ma:contentTypeID="0x010100A2CD2B7DD7D5E348A4B5B847AD49C1E4" ma:contentTypeVersion="15" ma:contentTypeDescription="Create a new document." ma:contentTypeScope="" ma:versionID="8e0e392dcf65750e3ad704a59f705fb3">
   <xsd:schema xmlns:xsd="http://www.w3.org/2001/XMLSchema" xmlns:xs="http://www.w3.org/2001/XMLSchema" xmlns:p="http://schemas.microsoft.com/office/2006/metadata/properties" xmlns:ns2="737cdb0d-9f15-48ec-9529-975a91239bb1" xmlns:ns3="9bea065c-4598-471b-a0d8-b208471d6a41" targetNamespace="http://schemas.microsoft.com/office/2006/metadata/properties" ma:root="true" ma:fieldsID="16d7d9ff6e2e2d483fddd166083c89fa" ns2:_="" ns3:_="">
     <xsd:import namespace="737cdb0d-9f15-48ec-9529-975a91239bb1"/>
@@ -2928,32 +2940,27 @@
 </ct:contentTypeSchema>
 </file>
 
-<file path=customXml/itemProps1.xml><?xml version="1.0" encoding="utf-8"?>
-<ds:datastoreItem xmlns:ds="http://schemas.openxmlformats.org/officeDocument/2006/customXml" ds:itemID="{9674E985-4D59-45AB-8970-AD8E2C92CE21}">
-  <ds:schemaRefs>
-    <ds:schemaRef ds:uri="http://www.w3.org/XML/1998/namespace"/>
-    <ds:schemaRef ds:uri="http://purl.org/dc/elements/1.1/"/>
-    <ds:schemaRef ds:uri="http://schemas.microsoft.com/office/2006/metadata/properties"/>
-    <ds:schemaRef ds:uri="http://schemas.microsoft.com/office/infopath/2007/PartnerControls"/>
-    <ds:schemaRef ds:uri="http://schemas.openxmlformats.org/package/2006/metadata/core-properties"/>
-    <ds:schemaRef ds:uri="9bea065c-4598-471b-a0d8-b208471d6a41"/>
-    <ds:schemaRef ds:uri="http://schemas.microsoft.com/office/2006/documentManagement/types"/>
-    <ds:schemaRef ds:uri="737cdb0d-9f15-48ec-9529-975a91239bb1"/>
-    <ds:schemaRef ds:uri="http://purl.org/dc/dcmitype/"/>
-    <ds:schemaRef ds:uri="http://purl.org/dc/terms/"/>
-  </ds:schemaRefs>
-</ds:datastoreItem>
+<file path=customXml/item2.xml><?xml version="1.0" encoding="utf-8"?>
+<?mso-contentType ?>
+<FormTemplates xmlns="http://schemas.microsoft.com/sharepoint/v3/contenttype/forms">
+  <Display>DocumentLibraryForm</Display>
+  <Edit>DocumentLibraryForm</Edit>
+  <New>DocumentLibraryForm</New>
+</FormTemplates>
 </file>
 
-<file path=customXml/itemProps2.xml><?xml version="1.0" encoding="utf-8"?>
-<ds:datastoreItem xmlns:ds="http://schemas.openxmlformats.org/officeDocument/2006/customXml" ds:itemID="{3BB299B6-1159-4940-B296-E198453C8E80}">
-  <ds:schemaRefs>
-    <ds:schemaRef ds:uri="http://schemas.microsoft.com/sharepoint/v3/contenttype/forms"/>
-  </ds:schemaRefs>
-</ds:datastoreItem>
+<file path=customXml/item3.xml><?xml version="1.0" encoding="utf-8"?>
+<p:properties xmlns:p="http://schemas.microsoft.com/office/2006/metadata/properties" xmlns:xsi="http://www.w3.org/2001/XMLSchema-instance" xmlns:pc="http://schemas.microsoft.com/office/infopath/2007/PartnerControls">
+  <documentManagement>
+    <TaxCatchAll xmlns="9bea065c-4598-471b-a0d8-b208471d6a41" xsi:nil="true"/>
+    <lcf76f155ced4ddcb4097134ff3c332f xmlns="737cdb0d-9f15-48ec-9529-975a91239bb1">
+      <Terms xmlns="http://schemas.microsoft.com/office/infopath/2007/PartnerControls"/>
+    </lcf76f155ced4ddcb4097134ff3c332f>
+  </documentManagement>
+</p:properties>
 </file>
 
-<file path=customXml/itemProps3.xml><?xml version="1.0" encoding="utf-8"?>
+<file path=customXml/itemProps1.xml><?xml version="1.0" encoding="utf-8"?>
 <ds:datastoreItem xmlns:ds="http://schemas.openxmlformats.org/officeDocument/2006/customXml" ds:itemID="{C4D443D4-D2BB-47D9-93BA-F264F5B47780}">
   <ds:schemaRefs>
     <ds:schemaRef ds:uri="737cdb0d-9f15-48ec-9529-975a91239bb1"/>
@@ -2970,4 +2977,29 @@
     <ds:schemaRef ds:uri="http://www.w3.org/2001/XMLSchema"/>
   </ds:schemaRefs>
 </ds:datastoreItem>
+</file>
+
+<file path=customXml/itemProps2.xml><?xml version="1.0" encoding="utf-8"?>
+<ds:datastoreItem xmlns:ds="http://schemas.openxmlformats.org/officeDocument/2006/customXml" ds:itemID="{3BB299B6-1159-4940-B296-E198453C8E80}">
+  <ds:schemaRefs>
+    <ds:schemaRef ds:uri="http://schemas.microsoft.com/sharepoint/v3/contenttype/forms"/>
+  </ds:schemaRefs>
+</ds:datastoreItem>
+</file>
+
+<file path=customXml/itemProps3.xml><?xml version="1.0" encoding="utf-8"?>
+<ds:datastoreItem xmlns:ds="http://schemas.openxmlformats.org/officeDocument/2006/customXml" ds:itemID="{9674E985-4D59-45AB-8970-AD8E2C92CE21}">
+  <ds:schemaRefs>
+    <ds:schemaRef ds:uri="http://schemas.microsoft.com/office/2006/documentManagement/types"/>
+    <ds:schemaRef ds:uri="737cdb0d-9f15-48ec-9529-975a91239bb1"/>
+    <ds:schemaRef ds:uri="http://purl.org/dc/terms/"/>
+    <ds:schemaRef ds:uri="http://schemas.microsoft.com/office/infopath/2007/PartnerControls"/>
+    <ds:schemaRef ds:uri="http://purl.org/dc/elements/1.1/"/>
+    <ds:schemaRef ds:uri="http://schemas.microsoft.com/office/2006/metadata/properties"/>
+    <ds:schemaRef ds:uri="http://www.w3.org/XML/1998/namespace"/>
+    <ds:schemaRef ds:uri="http://schemas.openxmlformats.org/package/2006/metadata/core-properties"/>
+    <ds:schemaRef ds:uri="9bea065c-4598-471b-a0d8-b208471d6a41"/>
+    <ds:schemaRef ds:uri="http://purl.org/dc/dcmitype/"/>
+  </ds:schemaRefs>
+</ds:datastoreItem>
 </file>